--- a/ppt/算法讲解056【必备】并查集-上.pptx
+++ b/ppt/算法讲解056【必备】并查集-上.pptx
@@ -4018,7 +4018,7 @@
               </a:defRPr>
             </a:pPr>
             <a:r>
-              <a:t>2）find(i)：查找i所在集合的代表元素，代表元素来代表i所在的集合</a:t>
+              <a:t>2）int find(i)：查找i所在集合的代表元素，代表元素来代表i所在的集合</a:t>
             </a:r>
           </a:p>
           <a:p>
@@ -4127,9 +4127,6 @@
                 <a:sym typeface="Monaco"/>
               </a:defRPr>
             </a:pPr>
-            <a:r>
-              <a:t>注意：带权并查集的内容是大厂笔试面试冷门内容，会在【挺难】课程里讲述。</a:t>
-            </a:r>
           </a:p>
           <a:p>
             <a:pPr algn="l" defTabSz="825500">
@@ -4144,7 +4141,23 @@
               </a:defRPr>
             </a:pPr>
             <a:r>
-              <a:t>可持久化并查集、可撤销并查集，更是比较冷门的内容，备战比赛的同学自行学习，本课程不再安排讲述</a:t>
+              <a:t>注意：带权并查集、可持久化并查集、可撤销并查集，都是备战算法竞赛的同学必学的内容</a:t>
+            </a:r>
+          </a:p>
+          <a:p>
+            <a:pPr algn="l" defTabSz="825500">
+              <a:defRPr sz="3600">
+                <a:solidFill>
+                  <a:srgbClr val="000000"/>
+                </a:solidFill>
+                <a:latin typeface="Monaco"/>
+                <a:ea typeface="Monaco"/>
+                <a:cs typeface="Monaco"/>
+                <a:sym typeface="Monaco"/>
+              </a:defRPr>
+            </a:pPr>
+            <a:r>
+              <a:t>     这些内容会在【挺难】阶段的课程里安排讲述</a:t>
             </a:r>
           </a:p>
         </p:txBody>
@@ -4442,7 +4455,19 @@
               </a:defRPr>
             </a:pPr>
             <a:r>
-              <a:t>感性理解单次调用的均摊时间复杂度为O(1)即可，其实为α(n)，阿克曼函数。</a:t>
+              <a:t>感性理解单次调用的均摊时间复杂度为O(1)即可，其实为α(n)，</a:t>
+            </a:r>
+            <a:r>
+              <a:rPr>
+                <a:solidFill>
+                  <a:schemeClr val="accent5">
+                    <a:hueOff val="-82419"/>
+                    <a:satOff val="-9513"/>
+                    <a:lumOff val="-16343"/>
+                  </a:schemeClr>
+                </a:solidFill>
+              </a:rPr>
+              <a:t>阿克曼反函数</a:t>
             </a:r>
           </a:p>
           <a:p>

--- a/ppt/算法讲解056【必备】并查集-上.pptx
+++ b/ppt/算法讲解056【必备】并查集-上.pptx
@@ -4467,7 +4467,7 @@
                   </a:schemeClr>
                 </a:solidFill>
               </a:rPr>
-              <a:t>阿克曼反函数</a:t>
+              <a:t>反阿克曼函数</a:t>
             </a:r>
           </a:p>
           <a:p>
